--- a/gemini/grand_public/presentation_grand_public.pptx
+++ b/gemini/grand_public/presentation_grand_public.pptx
@@ -317,7 +317,7 @@
           <a:p>
             <a:fld id="{241EB5C9-1307-BA42-ABA2-0BC069CD8E7F}" type="datetimeFigureOut">
               <a:rPr lang="en-US" smtClean="0"/>
-              <a:t>1/2/22</a:t>
+              <a:t>10/26/25</a:t>
             </a:fld>
             <a:endParaRPr lang="en-US"/>
           </a:p>
@@ -359,7 +359,7 @@
           <a:p>
             <a:fld id="{C5EF2332-01BF-834F-8236-50238282D533}" type="slidenum">
               <a:rPr lang="en-US" smtClean="0"/>
-              <a:t>‹#›</a:t>
+              <a:t>‹N°›</a:t>
             </a:fld>
             <a:endParaRPr lang="en-US"/>
           </a:p>
@@ -485,7 +485,7 @@
           <a:p>
             <a:fld id="{241EB5C9-1307-BA42-ABA2-0BC069CD8E7F}" type="datetimeFigureOut">
               <a:rPr lang="en-US" smtClean="0"/>
-              <a:t>1/2/22</a:t>
+              <a:t>10/26/25</a:t>
             </a:fld>
             <a:endParaRPr lang="en-US"/>
           </a:p>
@@ -527,7 +527,7 @@
           <a:p>
             <a:fld id="{C5EF2332-01BF-834F-8236-50238282D533}" type="slidenum">
               <a:rPr lang="en-US" smtClean="0"/>
-              <a:t>‹#›</a:t>
+              <a:t>‹N°›</a:t>
             </a:fld>
             <a:endParaRPr lang="en-US"/>
           </a:p>
@@ -663,7 +663,7 @@
           <a:p>
             <a:fld id="{241EB5C9-1307-BA42-ABA2-0BC069CD8E7F}" type="datetimeFigureOut">
               <a:rPr lang="en-US" smtClean="0"/>
-              <a:t>1/2/22</a:t>
+              <a:t>10/26/25</a:t>
             </a:fld>
             <a:endParaRPr lang="en-US"/>
           </a:p>
@@ -705,7 +705,7 @@
           <a:p>
             <a:fld id="{C5EF2332-01BF-834F-8236-50238282D533}" type="slidenum">
               <a:rPr lang="en-US" smtClean="0"/>
-              <a:t>‹#›</a:t>
+              <a:t>‹N°›</a:t>
             </a:fld>
             <a:endParaRPr lang="en-US"/>
           </a:p>
@@ -831,7 +831,7 @@
           <a:p>
             <a:fld id="{241EB5C9-1307-BA42-ABA2-0BC069CD8E7F}" type="datetimeFigureOut">
               <a:rPr lang="en-US" smtClean="0"/>
-              <a:t>1/2/22</a:t>
+              <a:t>10/26/25</a:t>
             </a:fld>
             <a:endParaRPr lang="en-US"/>
           </a:p>
@@ -873,7 +873,7 @@
           <a:p>
             <a:fld id="{C5EF2332-01BF-834F-8236-50238282D533}" type="slidenum">
               <a:rPr lang="en-US" smtClean="0"/>
-              <a:t>‹#›</a:t>
+              <a:t>‹N°›</a:t>
             </a:fld>
             <a:endParaRPr lang="en-US"/>
           </a:p>
@@ -1076,7 +1076,7 @@
           <a:p>
             <a:fld id="{241EB5C9-1307-BA42-ABA2-0BC069CD8E7F}" type="datetimeFigureOut">
               <a:rPr lang="en-US" smtClean="0"/>
-              <a:t>1/2/22</a:t>
+              <a:t>10/26/25</a:t>
             </a:fld>
             <a:endParaRPr lang="en-US"/>
           </a:p>
@@ -1118,7 +1118,7 @@
           <a:p>
             <a:fld id="{C5EF2332-01BF-834F-8236-50238282D533}" type="slidenum">
               <a:rPr lang="en-US" smtClean="0"/>
-              <a:t>‹#›</a:t>
+              <a:t>‹N°›</a:t>
             </a:fld>
             <a:endParaRPr lang="en-US"/>
           </a:p>
@@ -1361,7 +1361,7 @@
           <a:p>
             <a:fld id="{241EB5C9-1307-BA42-ABA2-0BC069CD8E7F}" type="datetimeFigureOut">
               <a:rPr lang="en-US" smtClean="0"/>
-              <a:t>1/2/22</a:t>
+              <a:t>10/26/25</a:t>
             </a:fld>
             <a:endParaRPr lang="en-US"/>
           </a:p>
@@ -1403,7 +1403,7 @@
           <a:p>
             <a:fld id="{C5EF2332-01BF-834F-8236-50238282D533}" type="slidenum">
               <a:rPr lang="en-US" smtClean="0"/>
-              <a:t>‹#›</a:t>
+              <a:t>‹N°›</a:t>
             </a:fld>
             <a:endParaRPr lang="en-US"/>
           </a:p>
@@ -1780,7 +1780,7 @@
           <a:p>
             <a:fld id="{241EB5C9-1307-BA42-ABA2-0BC069CD8E7F}" type="datetimeFigureOut">
               <a:rPr lang="en-US" smtClean="0"/>
-              <a:t>1/2/22</a:t>
+              <a:t>10/26/25</a:t>
             </a:fld>
             <a:endParaRPr lang="en-US"/>
           </a:p>
@@ -1822,7 +1822,7 @@
           <a:p>
             <a:fld id="{C5EF2332-01BF-834F-8236-50238282D533}" type="slidenum">
               <a:rPr lang="en-US" smtClean="0"/>
-              <a:t>‹#›</a:t>
+              <a:t>‹N°›</a:t>
             </a:fld>
             <a:endParaRPr lang="en-US"/>
           </a:p>
@@ -1897,7 +1897,7 @@
           <a:p>
             <a:fld id="{241EB5C9-1307-BA42-ABA2-0BC069CD8E7F}" type="datetimeFigureOut">
               <a:rPr lang="en-US" smtClean="0"/>
-              <a:t>1/2/22</a:t>
+              <a:t>10/26/25</a:t>
             </a:fld>
             <a:endParaRPr lang="en-US"/>
           </a:p>
@@ -1939,7 +1939,7 @@
           <a:p>
             <a:fld id="{C5EF2332-01BF-834F-8236-50238282D533}" type="slidenum">
               <a:rPr lang="en-US" smtClean="0"/>
-              <a:t>‹#›</a:t>
+              <a:t>‹N°›</a:t>
             </a:fld>
             <a:endParaRPr lang="en-US"/>
           </a:p>
@@ -1992,7 +1992,7 @@
           <a:p>
             <a:fld id="{241EB5C9-1307-BA42-ABA2-0BC069CD8E7F}" type="datetimeFigureOut">
               <a:rPr lang="en-US" smtClean="0"/>
-              <a:t>1/2/22</a:t>
+              <a:t>10/26/25</a:t>
             </a:fld>
             <a:endParaRPr lang="en-US"/>
           </a:p>
@@ -2034,7 +2034,7 @@
           <a:p>
             <a:fld id="{C5EF2332-01BF-834F-8236-50238282D533}" type="slidenum">
               <a:rPr lang="en-US" smtClean="0"/>
-              <a:t>‹#›</a:t>
+              <a:t>‹N°›</a:t>
             </a:fld>
             <a:endParaRPr lang="en-US"/>
           </a:p>
@@ -2267,7 +2267,7 @@
           <a:p>
             <a:fld id="{241EB5C9-1307-BA42-ABA2-0BC069CD8E7F}" type="datetimeFigureOut">
               <a:rPr lang="en-US" smtClean="0"/>
-              <a:t>1/2/22</a:t>
+              <a:t>10/26/25</a:t>
             </a:fld>
             <a:endParaRPr lang="en-US"/>
           </a:p>
@@ -2309,7 +2309,7 @@
           <a:p>
             <a:fld id="{C5EF2332-01BF-834F-8236-50238282D533}" type="slidenum">
               <a:rPr lang="en-US" smtClean="0"/>
-              <a:t>‹#›</a:t>
+              <a:t>‹N°›</a:t>
             </a:fld>
             <a:endParaRPr lang="en-US"/>
           </a:p>
@@ -2519,7 +2519,7 @@
           <a:p>
             <a:fld id="{241EB5C9-1307-BA42-ABA2-0BC069CD8E7F}" type="datetimeFigureOut">
               <a:rPr lang="en-US" smtClean="0"/>
-              <a:t>1/2/22</a:t>
+              <a:t>10/26/25</a:t>
             </a:fld>
             <a:endParaRPr lang="en-US"/>
           </a:p>
@@ -2561,7 +2561,7 @@
           <a:p>
             <a:fld id="{C5EF2332-01BF-834F-8236-50238282D533}" type="slidenum">
               <a:rPr lang="en-US" smtClean="0"/>
-              <a:t>‹#›</a:t>
+              <a:t>‹N°›</a:t>
             </a:fld>
             <a:endParaRPr lang="en-US"/>
           </a:p>
@@ -2668,28 +2668,28 @@
           <a:p>
             <a:pPr lvl="1"/>
             <a:r>
-              <a:rPr lang="en-US"/>
+              <a:rPr dirty="0" lang="en-US"/>
               <a:t>Second level</a:t>
             </a:r>
           </a:p>
           <a:p>
             <a:pPr lvl="2"/>
             <a:r>
-              <a:rPr lang="en-US"/>
+              <a:rPr dirty="0" lang="en-US"/>
               <a:t>Third level</a:t>
             </a:r>
           </a:p>
           <a:p>
             <a:pPr lvl="3"/>
             <a:r>
-              <a:rPr lang="en-US"/>
+              <a:rPr dirty="0" lang="en-US"/>
               <a:t>Fourth level</a:t>
             </a:r>
           </a:p>
           <a:p>
             <a:pPr lvl="4"/>
             <a:r>
-              <a:rPr lang="en-US"/>
+              <a:rPr dirty="0" lang="en-US"/>
               <a:t>Fifth level</a:t>
             </a:r>
           </a:p>
@@ -2730,7 +2730,7 @@
           <a:p>
             <a:fld id="{241EB5C9-1307-BA42-ABA2-0BC069CD8E7F}" type="datetimeFigureOut">
               <a:rPr lang="en-US" smtClean="0"/>
-              <a:t>1/2/22</a:t>
+              <a:t>10/26/25</a:t>
             </a:fld>
             <a:endParaRPr lang="en-US"/>
           </a:p>
@@ -2808,7 +2808,7 @@
           <a:p>
             <a:fld id="{C5EF2332-01BF-834F-8236-50238282D533}" type="slidenum">
               <a:rPr lang="en-US" smtClean="0"/>
-              <a:t>‹#›</a:t>
+              <a:t>‹N°›</a:t>
             </a:fld>
             <a:endParaRPr lang="en-US"/>
           </a:p>
@@ -4413,42 +4413,42 @@
 <file path=ppt/theme/theme1.xml><?xml version="1.0" encoding="utf-8"?>
 <a:theme xmlns:a="http://schemas.openxmlformats.org/drawingml/2006/main" name="Office Theme">
   <a:themeElements>
-    <a:clrScheme name="Office">
+    <a:clrScheme name="">
       <a:dk1>
-        <a:sysClr val="windowText" lastClr="000000"/>
+        <a:srgbClr val="2C3E50"/>
       </a:dk1>
       <a:lt1>
-        <a:sysClr val="window" lastClr="FFFFFF"/>
+        <a:srgbClr val="FFFFFF"/>
       </a:lt1>
       <a:dk2>
-        <a:srgbClr val="1F497D"/>
+        <a:srgbClr val="44546A"/>
       </a:dk2>
       <a:lt2>
-        <a:srgbClr val="EEECE1"/>
+        <a:srgbClr val="E7E6E6"/>
       </a:lt2>
       <a:accent1>
-        <a:srgbClr val="4F81BD"/>
+        <a:srgbClr val="5EA8A7"/>
       </a:accent1>
       <a:accent2>
-        <a:srgbClr val="C0504D"/>
+        <a:srgbClr val="FE4447"/>
       </a:accent2>
       <a:accent3>
-        <a:srgbClr val="9BBB59"/>
+        <a:srgbClr val="277883"/>
       </a:accent3>
       <a:accent4>
-        <a:srgbClr val="8064A2"/>
+        <a:srgbClr val="FFC000"/>
       </a:accent4>
       <a:accent5>
-        <a:srgbClr val="4BACC6"/>
+        <a:srgbClr val="5B9BD5"/>
       </a:accent5>
       <a:accent6>
-        <a:srgbClr val="F79646"/>
+        <a:srgbClr val="70AD47"/>
       </a:accent6>
       <a:hlink>
-        <a:srgbClr val="0000FF"/>
+        <a:srgbClr val="0563C1"/>
       </a:hlink>
       <a:folHlink>
-        <a:srgbClr val="800080"/>
+        <a:srgbClr val="954F72"/>
       </a:folHlink>
     </a:clrScheme>
     <a:fontScheme name="Office">
